--- a/docs/slides/LifeAfterCSBridge.pptx
+++ b/docs/slides/LifeAfterCSBridge.pptx
@@ -568,7 +568,7 @@
               </a14:hiddenFill>
             </a:ext>
             <a:ext uri="{FAA26D3D-D897-4be2-8F04-BA451C77F1D7}">
-              <ma14:placeholderFlag xmlns="" xmlns:ma14="http://schemas.microsoft.com/office/mac/drawingml/2011/main" val="1"/>
+              <ma14:placeholderFlag xmlns:ma14="http://schemas.microsoft.com/office/mac/drawingml/2011/main" xmlns="" val="1"/>
             </a:ext>
           </a:extLst>
         </p:spPr>
@@ -6926,7 +6926,7 @@
               </a14:hiddenLine>
             </a:ext>
             <a:ext uri="{FAA26D3D-D897-4be2-8F04-BA451C77F1D7}">
-              <ma14:placeholderFlag xmlns="" xmlns:ma14="http://schemas.microsoft.com/office/mac/drawingml/2011/main" val="1"/>
+              <ma14:placeholderFlag xmlns:ma14="http://schemas.microsoft.com/office/mac/drawingml/2011/main" xmlns="" val="1"/>
             </a:ext>
           </a:extLst>
         </p:spPr>
@@ -6987,7 +6987,7 @@
               </a14:hiddenLine>
             </a:ext>
             <a:ext uri="{FAA26D3D-D897-4be2-8F04-BA451C77F1D7}">
-              <ma14:placeholderFlag xmlns="" xmlns:ma14="http://schemas.microsoft.com/office/mac/drawingml/2011/main" val="1"/>
+              <ma14:placeholderFlag xmlns:ma14="http://schemas.microsoft.com/office/mac/drawingml/2011/main" xmlns="" val="1"/>
             </a:ext>
           </a:extLst>
         </p:spPr>
@@ -7635,7 +7635,7 @@
               </a14:hiddenLine>
             </a:ext>
             <a:ext uri="{FAA26D3D-D897-4be2-8F04-BA451C77F1D7}">
-              <ma14:placeholderFlag xmlns="" xmlns:ma14="http://schemas.microsoft.com/office/mac/drawingml/2011/main" val="1"/>
+              <ma14:placeholderFlag xmlns:ma14="http://schemas.microsoft.com/office/mac/drawingml/2011/main" xmlns="" val="1"/>
             </a:ext>
           </a:extLst>
         </p:spPr>
@@ -7696,7 +7696,7 @@
               </a14:hiddenLine>
             </a:ext>
             <a:ext uri="{FAA26D3D-D897-4be2-8F04-BA451C77F1D7}">
-              <ma14:placeholderFlag xmlns="" xmlns:ma14="http://schemas.microsoft.com/office/mac/drawingml/2011/main" val="1"/>
+              <ma14:placeholderFlag xmlns:ma14="http://schemas.microsoft.com/office/mac/drawingml/2011/main" xmlns="" val="1"/>
             </a:ext>
           </a:extLst>
         </p:spPr>
@@ -8614,7 +8614,7 @@
           <a:noFill/>
           <a:extLst>
             <a:ext uri="{909E8E84-426E-40dd-AFC4-6F175D3DCCD1}">
-              <a14:hiddenFill xmlns="" xmlns:a14="http://schemas.microsoft.com/office/drawing/2010/main">
+              <a14:hiddenFill xmlns:a14="http://schemas.microsoft.com/office/drawing/2010/main" xmlns="">
                 <a:solidFill>
                   <a:srgbClr val="FFFFFF"/>
                 </a:solidFill>
@@ -8840,7 +8840,7 @@
                 <a:latin typeface="Century Gothic"/>
                 <a:cs typeface="Century Gothic"/>
               </a:rPr>
-              <a:t>Lenguas</a:t>
+              <a:t>Lenguajes</a:t>
             </a:r>
             <a:r>
               <a:rPr lang="en-US" sz="4000" b="1" dirty="0">
@@ -9084,7 +9084,7 @@
                 <a:latin typeface="Century Gothic"/>
                 <a:cs typeface="Century Gothic"/>
               </a:rPr>
-              <a:t>Lenguas</a:t>
+              <a:t>Lenguajes</a:t>
             </a:r>
             <a:r>
               <a:rPr lang="en-US" sz="4000" b="1" dirty="0">
@@ -10157,7 +10157,7 @@
                 <a:latin typeface="Century Gothic"/>
                 <a:cs typeface="Century Gothic"/>
               </a:rPr>
-              <a:t>Lenguas</a:t>
+              <a:t>Lenguajes</a:t>
             </a:r>
             <a:r>
               <a:rPr lang="en-US" sz="4000" b="1" dirty="0">
@@ -11179,7 +11179,7 @@
                 <a:latin typeface="Century Gothic"/>
                 <a:cs typeface="Century Gothic"/>
               </a:rPr>
-              <a:t>Lenguas</a:t>
+              <a:t>Lenguajes</a:t>
             </a:r>
             <a:r>
               <a:rPr lang="en-US" sz="4000" b="1" dirty="0">
@@ -12232,7 +12232,7 @@
                 <a:latin typeface="Century Gothic"/>
                 <a:cs typeface="Century Gothic"/>
               </a:rPr>
-              <a:t>Lenguas</a:t>
+              <a:t>Lenguajes</a:t>
             </a:r>
             <a:r>
               <a:rPr lang="en-US" sz="4000" b="1" dirty="0">
@@ -13155,14 +13155,14 @@
               <a:defRPr/>
             </a:pPr>
             <a:r>
-              <a:rPr lang="en-US" sz="4000" b="1">
+              <a:rPr lang="en-US" sz="4000" b="1" dirty="0" err="1">
                 <a:solidFill>
                   <a:schemeClr val="tx1"/>
                 </a:solidFill>
                 <a:latin typeface="Century Gothic"/>
                 <a:cs typeface="Century Gothic"/>
               </a:rPr>
-              <a:t>Export to </a:t>
+              <a:t>Exportar</a:t>
             </a:r>
             <a:r>
               <a:rPr lang="en-US" sz="4000" b="1" dirty="0">
@@ -13172,7 +13172,27 @@
                 <a:latin typeface="Century Gothic"/>
                 <a:cs typeface="Century Gothic"/>
               </a:rPr>
-              <a:t>JAR</a:t>
+              <a:t> a </a:t>
+            </a:r>
+            <a:r>
+              <a:rPr lang="en-US" sz="4000" b="1" dirty="0" err="1">
+                <a:solidFill>
+                  <a:schemeClr val="tx1"/>
+                </a:solidFill>
+                <a:latin typeface="Century Gothic"/>
+                <a:cs typeface="Century Gothic"/>
+              </a:rPr>
+              <a:t>archivo</a:t>
+            </a:r>
+            <a:r>
+              <a:rPr lang="en-US" sz="4000" b="1" dirty="0">
+                <a:solidFill>
+                  <a:schemeClr val="tx1"/>
+                </a:solidFill>
+                <a:latin typeface="Century Gothic"/>
+                <a:cs typeface="Century Gothic"/>
+              </a:rPr>
+              <a:t> JAR</a:t>
             </a:r>
           </a:p>
         </p:txBody>
@@ -13360,7 +13380,7 @@
               <a:defRPr/>
             </a:pPr>
             <a:r>
-              <a:rPr kumimoji="0" lang="en-US" altLang="x-none" sz="3199" b="1" i="0" u="none" strike="noStrike" kern="1200" cap="none" spc="0" normalizeH="0" baseline="0" noProof="0">
+              <a:rPr kumimoji="0" lang="en-US" altLang="x-none" sz="3199" b="1" i="0" u="none" strike="noStrike" kern="1200" cap="none" spc="0" normalizeH="0" baseline="0" noProof="0" dirty="0">
                 <a:ln>
                   <a:noFill/>
                 </a:ln>
@@ -13377,7 +13397,7 @@
               <a:t>JAR</a:t>
             </a:r>
             <a:r>
-              <a:rPr kumimoji="0" lang="en-US" altLang="x-none" sz="3199" b="0" i="0" u="none" strike="noStrike" kern="1200" cap="none" spc="0" normalizeH="0" baseline="0" noProof="0">
+              <a:rPr kumimoji="0" lang="en-US" altLang="x-none" sz="3199" b="0" i="0" u="none" strike="noStrike" kern="1200" cap="none" spc="0" normalizeH="0" baseline="0" noProof="0" dirty="0">
                 <a:ln>
                   <a:noFill/>
                 </a:ln>
@@ -13394,7 +13414,7 @@
               <a:t>: </a:t>
             </a:r>
             <a:r>
-              <a:rPr kumimoji="0" lang="en-US" altLang="x-none" sz="3199" b="0" i="0" u="sng" strike="noStrike" kern="1200" cap="none" spc="0" normalizeH="0" baseline="0" noProof="0">
+              <a:rPr kumimoji="0" lang="en-US" altLang="x-none" sz="3199" b="0" i="0" u="sng" strike="noStrike" kern="1200" cap="none" spc="0" normalizeH="0" baseline="0" noProof="0" dirty="0">
                 <a:ln>
                   <a:noFill/>
                 </a:ln>
@@ -13411,7 +13431,7 @@
               <a:t>J</a:t>
             </a:r>
             <a:r>
-              <a:rPr kumimoji="0" lang="en-US" altLang="x-none" sz="3199" b="0" i="0" u="none" strike="noStrike" kern="1200" cap="none" spc="0" normalizeH="0" baseline="0" noProof="0">
+              <a:rPr kumimoji="0" lang="en-US" altLang="x-none" sz="3199" b="0" i="0" u="none" strike="noStrike" kern="1200" cap="none" spc="0" normalizeH="0" baseline="0" noProof="0" dirty="0">
                 <a:ln>
                   <a:noFill/>
                 </a:ln>
@@ -13428,7 +13448,7 @@
               <a:t>ava </a:t>
             </a:r>
             <a:r>
-              <a:rPr kumimoji="0" lang="en-US" altLang="x-none" sz="3199" b="0" i="0" u="sng" strike="noStrike" kern="1200" cap="none" spc="0" normalizeH="0" baseline="0" noProof="0">
+              <a:rPr kumimoji="0" lang="en-US" altLang="x-none" sz="3199" b="0" i="0" u="sng" strike="noStrike" kern="1200" cap="none" spc="0" normalizeH="0" baseline="0" noProof="0" dirty="0">
                 <a:ln>
                   <a:noFill/>
                 </a:ln>
@@ -13445,7 +13465,7 @@
               <a:t>Ar</a:t>
             </a:r>
             <a:r>
-              <a:rPr kumimoji="0" lang="en-US" altLang="x-none" sz="3199" b="0" i="0" u="none" strike="noStrike" kern="1200" cap="none" spc="0" normalizeH="0" baseline="0" noProof="0">
+              <a:rPr kumimoji="0" lang="en-US" altLang="x-none" sz="3199" b="0" i="0" u="none" strike="noStrike" kern="1200" cap="none" spc="0" normalizeH="0" baseline="0" noProof="0" dirty="0">
                 <a:ln>
                   <a:noFill/>
                 </a:ln>
@@ -13459,7 +13479,141 @@
                 <a:ea typeface="+mn-ea"/>
                 <a:cs typeface="+mn-cs"/>
               </a:rPr>
-              <a:t>chive.  A compressed binary of a Java program.</a:t>
+              <a:t>chive.  </a:t>
+            </a:r>
+            <a:r>
+              <a:rPr lang="en-US" altLang="x-none" dirty="0">
+                <a:solidFill>
+                  <a:sysClr val="windowText" lastClr="000000"/>
+                </a:solidFill>
+                <a:latin typeface="Calibri"/>
+              </a:rPr>
+              <a:t>Un </a:t>
+            </a:r>
+            <a:r>
+              <a:rPr lang="en-US" altLang="x-none" dirty="0" err="1">
+                <a:solidFill>
+                  <a:sysClr val="windowText" lastClr="000000"/>
+                </a:solidFill>
+                <a:latin typeface="Calibri"/>
+              </a:rPr>
+              <a:t>archivo</a:t>
+            </a:r>
+            <a:r>
+              <a:rPr lang="en-US" altLang="x-none" dirty="0">
+                <a:solidFill>
+                  <a:sysClr val="windowText" lastClr="000000"/>
+                </a:solidFill>
+                <a:latin typeface="Calibri"/>
+              </a:rPr>
+              <a:t> </a:t>
+            </a:r>
+            <a:r>
+              <a:rPr lang="en-US" altLang="x-none" dirty="0" err="1">
+                <a:solidFill>
+                  <a:sysClr val="windowText" lastClr="000000"/>
+                </a:solidFill>
+                <a:latin typeface="Calibri"/>
+              </a:rPr>
+              <a:t>comprimido</a:t>
+            </a:r>
+            <a:r>
+              <a:rPr lang="en-US" altLang="x-none" dirty="0">
+                <a:solidFill>
+                  <a:sysClr val="windowText" lastClr="000000"/>
+                </a:solidFill>
+                <a:latin typeface="Calibri"/>
+              </a:rPr>
+              <a:t> </a:t>
+            </a:r>
+            <a:r>
+              <a:rPr lang="en-US" altLang="x-none" dirty="0" err="1">
+                <a:solidFill>
+                  <a:sysClr val="windowText" lastClr="000000"/>
+                </a:solidFill>
+                <a:latin typeface="Calibri"/>
+              </a:rPr>
+              <a:t>binario</a:t>
+            </a:r>
+            <a:r>
+              <a:rPr lang="en-US" altLang="x-none" dirty="0">
+                <a:solidFill>
+                  <a:sysClr val="windowText" lastClr="000000"/>
+                </a:solidFill>
+                <a:latin typeface="Calibri"/>
+              </a:rPr>
+              <a:t> de un </a:t>
+            </a:r>
+            <a:r>
+              <a:rPr lang="en-US" altLang="x-none" dirty="0" err="1">
+                <a:solidFill>
+                  <a:sysClr val="windowText" lastClr="000000"/>
+                </a:solidFill>
+                <a:latin typeface="Calibri"/>
+              </a:rPr>
+              <a:t>programa</a:t>
+            </a:r>
+            <a:r>
+              <a:rPr lang="en-US" altLang="x-none" dirty="0">
+                <a:solidFill>
+                  <a:sysClr val="windowText" lastClr="000000"/>
+                </a:solidFill>
+                <a:latin typeface="Calibri"/>
+              </a:rPr>
+              <a:t> </a:t>
+            </a:r>
+            <a:r>
+              <a:rPr lang="en-US" altLang="x-none" dirty="0" err="1">
+                <a:solidFill>
+                  <a:sysClr val="windowText" lastClr="000000"/>
+                </a:solidFill>
+                <a:latin typeface="Calibri"/>
+              </a:rPr>
+              <a:t>escrito</a:t>
+            </a:r>
+            <a:r>
+              <a:rPr lang="en-US" altLang="x-none" dirty="0">
+                <a:solidFill>
+                  <a:sysClr val="windowText" lastClr="000000"/>
+                </a:solidFill>
+                <a:latin typeface="Calibri"/>
+              </a:rPr>
+              <a:t> </a:t>
+            </a:r>
+            <a:r>
+              <a:rPr lang="en-US" altLang="x-none" dirty="0" err="1">
+                <a:solidFill>
+                  <a:sysClr val="windowText" lastClr="000000"/>
+                </a:solidFill>
+                <a:latin typeface="Calibri"/>
+              </a:rPr>
+              <a:t>en</a:t>
+            </a:r>
+            <a:r>
+              <a:rPr lang="en-US" altLang="x-none" dirty="0">
+                <a:solidFill>
+                  <a:sysClr val="windowText" lastClr="000000"/>
+                </a:solidFill>
+                <a:latin typeface="Calibri"/>
+              </a:rPr>
+              <a:t> Java</a:t>
+            </a:r>
+            <a:r>
+              <a:rPr kumimoji="0" lang="en-US" altLang="x-none" sz="3199" b="0" i="0" u="none" strike="noStrike" kern="1200" cap="none" spc="0" normalizeH="0" baseline="0" noProof="0" dirty="0">
+                <a:ln>
+                  <a:noFill/>
+                </a:ln>
+                <a:solidFill>
+                  <a:sysClr val="windowText" lastClr="000000"/>
+                </a:solidFill>
+                <a:effectLst/>
+                <a:uLnTx/>
+                <a:uFillTx/>
+                <a:latin typeface="Calibri"/>
+                <a:ea typeface="+mn-ea"/>
+                <a:cs typeface="+mn-cs"/>
+              </a:rPr>
+              <a:t>.</a:t>
             </a:r>
           </a:p>
           <a:p>
@@ -13481,7 +13635,25 @@
               <a:defRPr/>
             </a:pPr>
             <a:r>
-              <a:rPr kumimoji="0" lang="en-US" altLang="x-none" sz="2799" b="0" i="0" u="none" strike="noStrike" kern="1200" cap="none" spc="0" normalizeH="0" baseline="0" noProof="0">
+              <a:rPr lang="en-US" altLang="x-none" dirty="0">
+                <a:solidFill>
+                  <a:sysClr val="windowText" lastClr="000000"/>
+                </a:solidFill>
+                <a:latin typeface="Calibri"/>
+              </a:rPr>
+              <a:t>Es la forma </a:t>
+            </a:r>
+            <a:r>
+              <a:rPr lang="en-US" altLang="x-none" dirty="0" err="1">
+                <a:solidFill>
+                  <a:sysClr val="windowText" lastClr="000000"/>
+                </a:solidFill>
+                <a:latin typeface="Calibri"/>
+              </a:rPr>
+              <a:t>típica</a:t>
+            </a:r>
+            <a:r>
+              <a:rPr kumimoji="0" lang="en-US" altLang="x-none" sz="2799" b="0" i="0" u="none" strike="noStrike" kern="1200" cap="none" spc="0" normalizeH="0" baseline="0" noProof="0" dirty="0">
                 <a:ln>
                   <a:noFill/>
                 </a:ln>
@@ -13495,10 +13667,10 @@
                 <a:ea typeface="+mn-ea"/>
                 <a:cs typeface="+mn-cs"/>
               </a:rPr>
-              <a:t>The typical way to </a:t>
-            </a:r>
-            <a:r>
-              <a:rPr kumimoji="0" lang="en-US" altLang="x-none" sz="2799" b="1" i="0" u="none" strike="noStrike" kern="1200" cap="none" spc="0" normalizeH="0" baseline="0" noProof="0">
+              <a:t> de </a:t>
+            </a:r>
+            <a:r>
+              <a:rPr kumimoji="0" lang="en-US" altLang="x-none" sz="2799" b="0" i="0" u="none" strike="noStrike" kern="1200" cap="none" spc="0" normalizeH="0" baseline="0" noProof="0" dirty="0" err="1">
                 <a:ln>
                   <a:noFill/>
                 </a:ln>
@@ -13512,10 +13684,181 @@
                 <a:ea typeface="+mn-ea"/>
                 <a:cs typeface="+mn-cs"/>
               </a:rPr>
-              <a:t>distribute a Java app as a single file</a:t>
-            </a:r>
-            <a:r>
-              <a:rPr kumimoji="0" lang="en-US" altLang="x-none" sz="2799" b="0" i="0" u="none" strike="noStrike" kern="1200" cap="none" spc="0" normalizeH="0" baseline="0" noProof="0">
+              <a:t>distribución</a:t>
+            </a:r>
+            <a:r>
+              <a:rPr kumimoji="0" lang="en-US" altLang="x-none" sz="2799" b="0" i="0" u="none" strike="noStrike" kern="1200" cap="none" spc="0" normalizeH="0" baseline="0" noProof="0" dirty="0">
+                <a:ln>
+                  <a:noFill/>
+                </a:ln>
+                <a:solidFill>
+                  <a:sysClr val="windowText" lastClr="000000"/>
+                </a:solidFill>
+                <a:effectLst/>
+                <a:uLnTx/>
+                <a:uFillTx/>
+                <a:latin typeface="Calibri"/>
+                <a:ea typeface="+mn-ea"/>
+                <a:cs typeface="+mn-cs"/>
+              </a:rPr>
+              <a:t> para las </a:t>
+            </a:r>
+            <a:r>
+              <a:rPr kumimoji="0" lang="en-US" altLang="x-none" sz="2799" b="0" i="0" u="none" strike="noStrike" kern="1200" cap="none" spc="0" normalizeH="0" baseline="0" noProof="0" dirty="0" err="1">
+                <a:ln>
+                  <a:noFill/>
+                </a:ln>
+                <a:solidFill>
+                  <a:sysClr val="windowText" lastClr="000000"/>
+                </a:solidFill>
+                <a:effectLst/>
+                <a:uLnTx/>
+                <a:uFillTx/>
+                <a:latin typeface="Calibri"/>
+                <a:ea typeface="+mn-ea"/>
+                <a:cs typeface="+mn-cs"/>
+              </a:rPr>
+              <a:t>aplicaciones</a:t>
+            </a:r>
+            <a:r>
+              <a:rPr kumimoji="0" lang="en-US" altLang="x-none" sz="2799" b="0" i="0" u="none" strike="noStrike" kern="1200" cap="none" spc="0" normalizeH="0" baseline="0" noProof="0" dirty="0">
+                <a:ln>
+                  <a:noFill/>
+                </a:ln>
+                <a:solidFill>
+                  <a:sysClr val="windowText" lastClr="000000"/>
+                </a:solidFill>
+                <a:effectLst/>
+                <a:uLnTx/>
+                <a:uFillTx/>
+                <a:latin typeface="Calibri"/>
+                <a:ea typeface="+mn-ea"/>
+                <a:cs typeface="+mn-cs"/>
+              </a:rPr>
+              <a:t> Java</a:t>
+            </a:r>
+            <a:r>
+              <a:rPr kumimoji="0" lang="en-US" altLang="x-none" sz="2799" b="1" i="0" u="none" strike="noStrike" kern="1200" cap="none" spc="0" normalizeH="0" baseline="0" noProof="0" dirty="0">
+                <a:ln>
+                  <a:noFill/>
+                </a:ln>
+                <a:solidFill>
+                  <a:sysClr val="windowText" lastClr="000000"/>
+                </a:solidFill>
+                <a:effectLst/>
+                <a:uLnTx/>
+                <a:uFillTx/>
+                <a:latin typeface="Calibri"/>
+                <a:ea typeface="+mn-ea"/>
+                <a:cs typeface="+mn-cs"/>
+              </a:rPr>
+              <a:t>, </a:t>
+            </a:r>
+            <a:r>
+              <a:rPr kumimoji="0" lang="en-US" altLang="x-none" sz="2799" i="0" u="none" strike="noStrike" kern="1200" cap="none" spc="0" normalizeH="0" baseline="0" noProof="0" dirty="0">
+                <a:ln>
+                  <a:noFill/>
+                </a:ln>
+                <a:solidFill>
+                  <a:sysClr val="windowText" lastClr="000000"/>
+                </a:solidFill>
+                <a:effectLst/>
+                <a:uLnTx/>
+                <a:uFillTx/>
+                <a:latin typeface="Calibri"/>
+                <a:ea typeface="+mn-ea"/>
+                <a:cs typeface="+mn-cs"/>
+              </a:rPr>
+              <a:t> se </a:t>
+            </a:r>
+            <a:r>
+              <a:rPr kumimoji="0" lang="en-US" altLang="x-none" sz="2799" i="0" u="none" strike="noStrike" kern="1200" cap="none" spc="0" normalizeH="0" baseline="0" noProof="0" dirty="0" err="1">
+                <a:ln>
+                  <a:noFill/>
+                </a:ln>
+                <a:solidFill>
+                  <a:sysClr val="windowText" lastClr="000000"/>
+                </a:solidFill>
+                <a:effectLst/>
+                <a:uLnTx/>
+                <a:uFillTx/>
+                <a:latin typeface="Calibri"/>
+                <a:ea typeface="+mn-ea"/>
+                <a:cs typeface="+mn-cs"/>
+              </a:rPr>
+              <a:t>hace</a:t>
+            </a:r>
+            <a:r>
+              <a:rPr kumimoji="0" lang="en-US" altLang="x-none" sz="2799" i="0" u="none" strike="noStrike" kern="1200" cap="none" spc="0" normalizeH="0" baseline="0" noProof="0" dirty="0">
+                <a:ln>
+                  <a:noFill/>
+                </a:ln>
+                <a:solidFill>
+                  <a:sysClr val="windowText" lastClr="000000"/>
+                </a:solidFill>
+                <a:effectLst/>
+                <a:uLnTx/>
+                <a:uFillTx/>
+                <a:latin typeface="Calibri"/>
+                <a:ea typeface="+mn-ea"/>
+                <a:cs typeface="+mn-cs"/>
+              </a:rPr>
+              <a:t> </a:t>
+            </a:r>
+            <a:r>
+              <a:rPr kumimoji="0" lang="en-US" altLang="x-none" sz="2799" i="0" u="none" strike="noStrike" kern="1200" cap="none" spc="0" normalizeH="0" baseline="0" noProof="0" dirty="0" err="1">
+                <a:ln>
+                  <a:noFill/>
+                </a:ln>
+                <a:solidFill>
+                  <a:sysClr val="windowText" lastClr="000000"/>
+                </a:solidFill>
+                <a:effectLst/>
+                <a:uLnTx/>
+                <a:uFillTx/>
+                <a:latin typeface="Calibri"/>
+                <a:ea typeface="+mn-ea"/>
+                <a:cs typeface="+mn-cs"/>
+              </a:rPr>
+              <a:t>en</a:t>
+            </a:r>
+            <a:r>
+              <a:rPr kumimoji="0" lang="en-US" altLang="x-none" sz="2799" i="0" u="none" strike="noStrike" kern="1200" cap="none" spc="0" normalizeH="0" baseline="0" noProof="0" dirty="0">
+                <a:ln>
+                  <a:noFill/>
+                </a:ln>
+                <a:solidFill>
+                  <a:sysClr val="windowText" lastClr="000000"/>
+                </a:solidFill>
+                <a:effectLst/>
+                <a:uLnTx/>
+                <a:uFillTx/>
+                <a:latin typeface="Calibri"/>
+                <a:ea typeface="+mn-ea"/>
+                <a:cs typeface="+mn-cs"/>
+              </a:rPr>
+              <a:t> </a:t>
+            </a:r>
+            <a:r>
+              <a:rPr lang="en-US" altLang="x-none" dirty="0">
+                <a:solidFill>
+                  <a:sysClr val="windowText" lastClr="000000"/>
+                </a:solidFill>
+                <a:latin typeface="Calibri"/>
+              </a:rPr>
+              <a:t>un solo </a:t>
+            </a:r>
+            <a:r>
+              <a:rPr lang="en-US" altLang="x-none" dirty="0" err="1">
+                <a:solidFill>
+                  <a:sysClr val="windowText" lastClr="000000"/>
+                </a:solidFill>
+                <a:latin typeface="Calibri"/>
+              </a:rPr>
+              <a:t>archivo</a:t>
+            </a:r>
+            <a:r>
+              <a:rPr kumimoji="0" lang="en-US" altLang="x-none" sz="2799" b="0" i="0" u="none" strike="noStrike" kern="1200" cap="none" spc="0" normalizeH="0" baseline="0" noProof="0" dirty="0">
                 <a:ln>
                   <a:noFill/>
                 </a:ln>
@@ -13551,7 +13894,25 @@
               <a:defRPr/>
             </a:pPr>
             <a:r>
-              <a:rPr kumimoji="0" lang="en-US" altLang="x-none" sz="2799" b="0" i="0" u="none" strike="noStrike" kern="1200" cap="none" spc="0" normalizeH="0" baseline="0" noProof="0">
+              <a:rPr lang="en-US" altLang="x-none" dirty="0" err="1">
+                <a:solidFill>
+                  <a:sysClr val="windowText" lastClr="000000"/>
+                </a:solidFill>
+                <a:latin typeface="Calibri"/>
+              </a:rPr>
+              <a:t>Esencialmente</a:t>
+            </a:r>
+            <a:r>
+              <a:rPr lang="en-US" altLang="x-none" dirty="0">
+                <a:solidFill>
+                  <a:sysClr val="windowText" lastClr="000000"/>
+                </a:solidFill>
+                <a:latin typeface="Calibri"/>
+              </a:rPr>
+              <a:t> es un</a:t>
+            </a:r>
+            <a:r>
+              <a:rPr kumimoji="0" lang="en-US" altLang="x-none" sz="2799" b="0" i="0" u="none" strike="noStrike" kern="1200" cap="none" spc="0" normalizeH="0" baseline="0" noProof="0" dirty="0">
                 <a:ln>
                   <a:noFill/>
                 </a:ln>
@@ -13565,7 +13926,215 @@
                 <a:ea typeface="+mn-ea"/>
                 <a:cs typeface="+mn-cs"/>
               </a:rPr>
-              <a:t>Essentially just a ZIP file with Java .class files in it.</a:t>
+              <a:t> ZIP que </a:t>
+            </a:r>
+            <a:r>
+              <a:rPr kumimoji="0" lang="en-US" altLang="x-none" sz="2799" b="0" i="0" u="none" strike="noStrike" kern="1200" cap="none" spc="0" normalizeH="0" baseline="0" noProof="0" dirty="0" err="1">
+                <a:ln>
+                  <a:noFill/>
+                </a:ln>
+                <a:solidFill>
+                  <a:sysClr val="windowText" lastClr="000000"/>
+                </a:solidFill>
+                <a:effectLst/>
+                <a:uLnTx/>
+                <a:uFillTx/>
+                <a:latin typeface="Calibri"/>
+                <a:ea typeface="+mn-ea"/>
+                <a:cs typeface="+mn-cs"/>
+              </a:rPr>
+              <a:t>contiene</a:t>
+            </a:r>
+            <a:r>
+              <a:rPr lang="en-US" altLang="x-none" dirty="0">
+                <a:solidFill>
+                  <a:sysClr val="windowText" lastClr="000000"/>
+                </a:solidFill>
+                <a:latin typeface="Calibri"/>
+              </a:rPr>
+              <a:t> </a:t>
+            </a:r>
+            <a:r>
+              <a:rPr lang="en-US" altLang="x-none" dirty="0" err="1">
+                <a:solidFill>
+                  <a:sysClr val="windowText" lastClr="000000"/>
+                </a:solidFill>
+                <a:latin typeface="Calibri"/>
+              </a:rPr>
+              <a:t>archivos</a:t>
+            </a:r>
+            <a:r>
+              <a:rPr lang="en-US" altLang="x-none" dirty="0">
+                <a:solidFill>
+                  <a:sysClr val="windowText" lastClr="000000"/>
+                </a:solidFill>
+                <a:latin typeface="Calibri"/>
+              </a:rPr>
+              <a:t> .java de </a:t>
+            </a:r>
+            <a:r>
+              <a:rPr lang="en-US" altLang="x-none" dirty="0" err="1">
+                <a:solidFill>
+                  <a:sysClr val="windowText" lastClr="000000"/>
+                </a:solidFill>
+                <a:latin typeface="Calibri"/>
+              </a:rPr>
+              <a:t>clases</a:t>
+            </a:r>
+            <a:r>
+              <a:rPr kumimoji="0" lang="en-US" altLang="x-none" sz="2799" b="0" i="0" u="none" strike="noStrike" kern="1200" cap="none" spc="0" normalizeH="0" baseline="0" noProof="0" dirty="0">
+                <a:ln>
+                  <a:noFill/>
+                </a:ln>
+                <a:solidFill>
+                  <a:sysClr val="windowText" lastClr="000000"/>
+                </a:solidFill>
+                <a:effectLst/>
+                <a:uLnTx/>
+                <a:uFillTx/>
+                <a:latin typeface="Calibri"/>
+                <a:ea typeface="+mn-ea"/>
+                <a:cs typeface="+mn-cs"/>
+              </a:rPr>
+              <a:t>.</a:t>
+            </a:r>
+          </a:p>
+          <a:p>
+            <a:pPr marL="342865" marR="0" lvl="0" indent="-342865" algn="l" defTabSz="457153" rtl="0" eaLnBrk="1" fontAlgn="auto" latinLnBrk="0" hangingPunct="1">
+              <a:lnSpc>
+                <a:spcPct val="100000"/>
+              </a:lnSpc>
+              <a:spcBef>
+                <a:spcPct val="20000"/>
+              </a:spcBef>
+              <a:spcAft>
+                <a:spcPts val="0"/>
+              </a:spcAft>
+              <a:buClrTx/>
+              <a:buSzTx/>
+              <a:buFont typeface="Arial"/>
+              <a:buChar char="•"/>
+              <a:tabLst/>
+              <a:defRPr/>
+            </a:pPr>
+            <a:r>
+              <a:rPr kumimoji="0" lang="en-US" altLang="x-none" sz="3199" b="0" i="0" u="none" strike="noStrike" kern="1200" cap="none" spc="0" normalizeH="0" baseline="0" noProof="0" dirty="0">
+                <a:ln>
+                  <a:noFill/>
+                </a:ln>
+                <a:solidFill>
+                  <a:sysClr val="windowText" lastClr="000000"/>
+                </a:solidFill>
+                <a:effectLst/>
+                <a:uLnTx/>
+                <a:uFillTx/>
+                <a:latin typeface="Calibri"/>
+                <a:ea typeface="+mn-ea"/>
+                <a:cs typeface="+mn-cs"/>
+              </a:rPr>
+              <a:t>Como </a:t>
+            </a:r>
+            <a:r>
+              <a:rPr kumimoji="0" lang="en-US" altLang="x-none" sz="3199" b="0" i="0" u="none" strike="noStrike" kern="1200" cap="none" spc="0" normalizeH="0" baseline="0" noProof="0" dirty="0" err="1">
+                <a:ln>
+                  <a:noFill/>
+                </a:ln>
+                <a:solidFill>
+                  <a:sysClr val="windowText" lastClr="000000"/>
+                </a:solidFill>
+                <a:effectLst/>
+                <a:uLnTx/>
+                <a:uFillTx/>
+                <a:latin typeface="Calibri"/>
+                <a:ea typeface="+mn-ea"/>
+                <a:cs typeface="+mn-cs"/>
+              </a:rPr>
+              <a:t>hacer</a:t>
+            </a:r>
+            <a:r>
+              <a:rPr kumimoji="0" lang="en-US" altLang="x-none" sz="3199" b="0" i="0" u="none" strike="noStrike" kern="1200" cap="none" spc="0" normalizeH="0" baseline="0" noProof="0" dirty="0">
+                <a:ln>
+                  <a:noFill/>
+                </a:ln>
+                <a:solidFill>
+                  <a:sysClr val="windowText" lastClr="000000"/>
+                </a:solidFill>
+                <a:effectLst/>
+                <a:uLnTx/>
+                <a:uFillTx/>
+                <a:latin typeface="Calibri"/>
+                <a:ea typeface="+mn-ea"/>
+                <a:cs typeface="+mn-cs"/>
+              </a:rPr>
+              <a:t> un JAR de </a:t>
+            </a:r>
+            <a:r>
+              <a:rPr kumimoji="0" lang="en-US" altLang="x-none" sz="3199" b="0" i="0" u="none" strike="noStrike" kern="1200" cap="none" spc="0" normalizeH="0" baseline="0" noProof="0" dirty="0" err="1">
+                <a:ln>
+                  <a:noFill/>
+                </a:ln>
+                <a:solidFill>
+                  <a:sysClr val="windowText" lastClr="000000"/>
+                </a:solidFill>
+                <a:effectLst/>
+                <a:uLnTx/>
+                <a:uFillTx/>
+                <a:latin typeface="Calibri"/>
+                <a:ea typeface="+mn-ea"/>
+                <a:cs typeface="+mn-cs"/>
+              </a:rPr>
+              <a:t>tu</a:t>
+            </a:r>
+            <a:r>
+              <a:rPr kumimoji="0" lang="en-US" altLang="x-none" sz="3199" b="0" i="0" u="none" strike="noStrike" kern="1200" cap="none" spc="0" normalizeH="0" baseline="0" noProof="0" dirty="0">
+                <a:ln>
+                  <a:noFill/>
+                </a:ln>
+                <a:solidFill>
+                  <a:sysClr val="windowText" lastClr="000000"/>
+                </a:solidFill>
+                <a:effectLst/>
+                <a:uLnTx/>
+                <a:uFillTx/>
+                <a:latin typeface="Calibri"/>
+                <a:ea typeface="+mn-ea"/>
+                <a:cs typeface="+mn-cs"/>
+              </a:rPr>
+              <a:t> Proyecto </a:t>
+            </a:r>
+            <a:r>
+              <a:rPr kumimoji="0" lang="en-US" altLang="x-none" sz="3199" b="0" i="0" u="none" strike="noStrike" kern="1200" cap="none" spc="0" normalizeH="0" baseline="0" noProof="0" dirty="0" err="1">
+                <a:ln>
+                  <a:noFill/>
+                </a:ln>
+                <a:solidFill>
+                  <a:sysClr val="windowText" lastClr="000000"/>
+                </a:solidFill>
+                <a:effectLst/>
+                <a:uLnTx/>
+                <a:uFillTx/>
+                <a:latin typeface="Calibri"/>
+                <a:ea typeface="+mn-ea"/>
+                <a:cs typeface="+mn-cs"/>
+              </a:rPr>
+              <a:t>en</a:t>
+            </a:r>
+            <a:r>
+              <a:rPr kumimoji="0" lang="en-US" altLang="x-none" sz="3199" b="0" i="0" u="none" strike="noStrike" kern="1200" cap="none" spc="0" normalizeH="0" baseline="0" noProof="0" dirty="0">
+                <a:ln>
+                  <a:noFill/>
+                </a:ln>
+                <a:solidFill>
+                  <a:sysClr val="windowText" lastClr="000000"/>
+                </a:solidFill>
+                <a:effectLst/>
+                <a:uLnTx/>
+                <a:uFillTx/>
+                <a:latin typeface="Calibri"/>
+                <a:ea typeface="+mn-ea"/>
+                <a:cs typeface="+mn-cs"/>
+              </a:rPr>
+              <a:t> Eclipse:</a:t>
             </a:r>
           </a:p>
           <a:p>
@@ -13586,7 +14155,184 @@
               <a:tabLst/>
               <a:defRPr/>
             </a:pPr>
-            <a:endParaRPr kumimoji="0" lang="en-US" altLang="x-none" sz="2799" b="0" i="0" u="none" strike="noStrike" kern="1200" cap="none" spc="0" normalizeH="0" baseline="0" noProof="0">
+            <a:r>
+              <a:rPr lang="en-US" altLang="x-none" dirty="0" err="1">
+                <a:solidFill>
+                  <a:sysClr val="windowText" lastClr="000000"/>
+                </a:solidFill>
+                <a:latin typeface="Calibri"/>
+              </a:rPr>
+              <a:t>Archivo</a:t>
+            </a:r>
+            <a:r>
+              <a:rPr kumimoji="0" lang="en-US" altLang="x-none" sz="2799" b="0" i="0" u="none" strike="noStrike" kern="1200" cap="none" spc="0" normalizeH="0" baseline="0" noProof="0" dirty="0">
+                <a:ln>
+                  <a:noFill/>
+                </a:ln>
+                <a:solidFill>
+                  <a:sysClr val="windowText" lastClr="000000"/>
+                </a:solidFill>
+                <a:effectLst/>
+                <a:uLnTx/>
+                <a:uFillTx/>
+                <a:latin typeface="Calibri"/>
+                <a:ea typeface="+mn-ea"/>
+                <a:cs typeface="+mn-cs"/>
+              </a:rPr>
+              <a:t> → </a:t>
+            </a:r>
+            <a:r>
+              <a:rPr kumimoji="0" lang="en-US" altLang="x-none" sz="2799" b="0" i="0" u="none" strike="noStrike" kern="1200" cap="none" spc="0" normalizeH="0" baseline="0" noProof="0" dirty="0" err="1">
+                <a:ln>
+                  <a:noFill/>
+                </a:ln>
+                <a:solidFill>
+                  <a:sysClr val="windowText" lastClr="000000"/>
+                </a:solidFill>
+                <a:effectLst/>
+                <a:uLnTx/>
+                <a:uFillTx/>
+                <a:latin typeface="Calibri"/>
+                <a:ea typeface="+mn-ea"/>
+                <a:cs typeface="+mn-cs"/>
+              </a:rPr>
+              <a:t>Exportar</a:t>
+            </a:r>
+            <a:r>
+              <a:rPr kumimoji="0" lang="en-US" altLang="x-none" sz="2799" b="0" i="0" u="none" strike="noStrike" kern="1200" cap="none" spc="0" normalizeH="0" baseline="0" noProof="0" dirty="0">
+                <a:ln>
+                  <a:noFill/>
+                </a:ln>
+                <a:solidFill>
+                  <a:sysClr val="windowText" lastClr="000000"/>
+                </a:solidFill>
+                <a:effectLst/>
+                <a:uLnTx/>
+                <a:uFillTx/>
+                <a:latin typeface="Calibri"/>
+                <a:ea typeface="+mn-ea"/>
+                <a:cs typeface="+mn-cs"/>
+              </a:rPr>
+              <a:t> ... →</a:t>
+            </a:r>
+            <a:br>
+              <a:rPr kumimoji="0" lang="en-US" altLang="x-none" sz="2799" b="0" i="0" u="none" strike="noStrike" kern="1200" cap="none" spc="0" normalizeH="0" baseline="0" noProof="0" dirty="0">
+                <a:ln>
+                  <a:noFill/>
+                </a:ln>
+                <a:solidFill>
+                  <a:sysClr val="windowText" lastClr="000000"/>
+                </a:solidFill>
+                <a:effectLst/>
+                <a:uLnTx/>
+                <a:uFillTx/>
+                <a:latin typeface="Calibri"/>
+                <a:ea typeface="+mn-ea"/>
+                <a:cs typeface="+mn-cs"/>
+              </a:rPr>
+            </a:br>
+            <a:r>
+              <a:rPr kumimoji="0" lang="en-US" altLang="x-none" sz="2799" b="0" i="0" u="none" strike="noStrike" kern="1200" cap="none" spc="0" normalizeH="0" baseline="0" noProof="0" dirty="0">
+                <a:ln>
+                  <a:noFill/>
+                </a:ln>
+                <a:solidFill>
+                  <a:sysClr val="windowText" lastClr="000000"/>
+                </a:solidFill>
+                <a:effectLst/>
+                <a:uLnTx/>
+                <a:uFillTx/>
+                <a:latin typeface="Calibri"/>
+                <a:ea typeface="+mn-ea"/>
+                <a:cs typeface="+mn-cs"/>
+              </a:rPr>
+              <a:t>Java → </a:t>
+            </a:r>
+            <a:r>
+              <a:rPr kumimoji="0" lang="en-US" altLang="x-none" sz="2799" b="1" i="0" u="none" strike="noStrike" kern="1200" cap="none" spc="0" normalizeH="0" baseline="0" noProof="0" dirty="0" err="1">
+                <a:ln>
+                  <a:noFill/>
+                </a:ln>
+                <a:solidFill>
+                  <a:sysClr val="windowText" lastClr="000000"/>
+                </a:solidFill>
+                <a:effectLst/>
+                <a:uLnTx/>
+                <a:uFillTx/>
+                <a:latin typeface="Calibri"/>
+                <a:ea typeface="+mn-ea"/>
+                <a:cs typeface="+mn-cs"/>
+              </a:rPr>
+              <a:t>Archivo</a:t>
+            </a:r>
+            <a:r>
+              <a:rPr kumimoji="0" lang="en-US" altLang="x-none" sz="2799" b="1" i="0" u="none" strike="noStrike" kern="1200" cap="none" spc="0" normalizeH="0" baseline="0" noProof="0" dirty="0">
+                <a:ln>
+                  <a:noFill/>
+                </a:ln>
+                <a:solidFill>
+                  <a:sysClr val="windowText" lastClr="000000"/>
+                </a:solidFill>
+                <a:effectLst/>
+                <a:uLnTx/>
+                <a:uFillTx/>
+                <a:latin typeface="Calibri"/>
+                <a:ea typeface="+mn-ea"/>
+                <a:cs typeface="+mn-cs"/>
+              </a:rPr>
+              <a:t> JAR </a:t>
+            </a:r>
+            <a:r>
+              <a:rPr kumimoji="0" lang="en-US" altLang="x-none" sz="2799" b="1" i="0" u="none" strike="noStrike" kern="1200" cap="none" spc="0" normalizeH="0" baseline="0" noProof="0" dirty="0" err="1">
+                <a:ln>
+                  <a:noFill/>
+                </a:ln>
+                <a:solidFill>
+                  <a:sysClr val="windowText" lastClr="000000"/>
+                </a:solidFill>
+                <a:effectLst/>
+                <a:uLnTx/>
+                <a:uFillTx/>
+                <a:latin typeface="Calibri"/>
+                <a:ea typeface="+mn-ea"/>
+                <a:cs typeface="+mn-cs"/>
+              </a:rPr>
+              <a:t>Ejecutable</a:t>
+            </a:r>
+            <a:endParaRPr kumimoji="0" lang="en-US" altLang="x-none" sz="2799" b="1" i="0" u="none" strike="noStrike" kern="1200" cap="none" spc="0" normalizeH="0" baseline="0" noProof="0" dirty="0">
+              <a:ln>
+                <a:noFill/>
+              </a:ln>
+              <a:solidFill>
+                <a:sysClr val="windowText" lastClr="000000"/>
+              </a:solidFill>
+              <a:effectLst/>
+              <a:uLnTx/>
+              <a:uFillTx/>
+              <a:latin typeface="Calibri"/>
+              <a:ea typeface="+mn-ea"/>
+              <a:cs typeface="+mn-cs"/>
+            </a:endParaRPr>
+          </a:p>
+          <a:p>
+            <a:pPr marL="742873" marR="0" lvl="1" indent="-285720" algn="l" defTabSz="457153" rtl="0" eaLnBrk="1" fontAlgn="auto" latinLnBrk="0" hangingPunct="1">
+              <a:lnSpc>
+                <a:spcPct val="100000"/>
+              </a:lnSpc>
+              <a:spcBef>
+                <a:spcPct val="20000"/>
+              </a:spcBef>
+              <a:spcAft>
+                <a:spcPts val="0"/>
+              </a:spcAft>
+              <a:buClrTx/>
+              <a:buSzTx/>
+              <a:buFont typeface="Arial"/>
+              <a:buChar char="–"/>
+              <a:tabLst/>
+              <a:defRPr/>
+            </a:pPr>
+            <a:endParaRPr kumimoji="0" lang="en-US" altLang="x-none" sz="2799" b="0" i="1" u="none" strike="noStrike" kern="1200" cap="none" spc="0" normalizeH="0" baseline="0" noProof="0" dirty="0">
               <a:ln>
                 <a:noFill/>
               </a:ln>
@@ -13620,7 +14366,7 @@
               <a:defRPr/>
             </a:pPr>
             <a:r>
-              <a:rPr kumimoji="0" lang="en-US" altLang="x-none" sz="3199" b="0" i="0" u="none" strike="noStrike" kern="1200" cap="none" spc="0" normalizeH="0" baseline="0" noProof="0">
+              <a:rPr kumimoji="0" lang="en-US" altLang="x-none" sz="3199" b="0" i="1" u="none" strike="noStrike" kern="1200" cap="none" spc="0" normalizeH="0" baseline="0" noProof="0" dirty="0">
                 <a:ln>
                   <a:noFill/>
                 </a:ln>
@@ -13634,29 +14380,10 @@
                 <a:ea typeface="+mn-ea"/>
                 <a:cs typeface="+mn-cs"/>
               </a:rPr>
-              <a:t>Making a JAR of your project in Eclipse:</a:t>
-            </a:r>
-          </a:p>
-          <a:p>
-            <a:pPr marL="742873" marR="0" lvl="1" indent="-285720" algn="l" defTabSz="457153" rtl="0" eaLnBrk="1" fontAlgn="auto" latinLnBrk="0" hangingPunct="1">
-              <a:lnSpc>
-                <a:spcPct val="100000"/>
-              </a:lnSpc>
-              <a:spcBef>
-                <a:spcPct val="20000"/>
-              </a:spcBef>
-              <a:spcAft>
-                <a:spcPts val="0"/>
-              </a:spcAft>
-              <a:buClrTx/>
-              <a:buSzTx/>
-              <a:buFont typeface="Arial"/>
-              <a:buChar char="–"/>
-              <a:tabLst/>
-              <a:defRPr/>
-            </a:pPr>
-            <a:r>
-              <a:rPr kumimoji="0" lang="en-US" altLang="x-none" sz="2799" b="0" i="0" u="none" strike="noStrike" kern="1200" cap="none" spc="0" normalizeH="0" baseline="0" noProof="0">
+              <a:t>Ver la </a:t>
+            </a:r>
+            <a:r>
+              <a:rPr kumimoji="0" lang="en-US" altLang="x-none" sz="3199" b="0" i="1" u="none" strike="noStrike" kern="1200" cap="none" spc="0" normalizeH="0" baseline="0" noProof="0" dirty="0" err="1">
                 <a:ln>
                   <a:noFill/>
                 </a:ln>
@@ -13670,10 +14397,10 @@
                 <a:ea typeface="+mn-ea"/>
                 <a:cs typeface="+mn-cs"/>
               </a:rPr>
-              <a:t>File → Export ... →</a:t>
-            </a:r>
-            <a:br>
-              <a:rPr kumimoji="0" lang="en-US" altLang="x-none" sz="2799" b="0" i="0" u="none" strike="noStrike" kern="1200" cap="none" spc="0" normalizeH="0" baseline="0" noProof="0">
+              <a:t>guía</a:t>
+            </a:r>
+            <a:r>
+              <a:rPr kumimoji="0" lang="en-US" altLang="x-none" sz="3199" b="0" i="1" u="none" strike="noStrike" kern="1200" cap="none" spc="0" normalizeH="0" baseline="0" noProof="0" dirty="0">
                 <a:ln>
                   <a:noFill/>
                 </a:ln>
@@ -13687,9 +14414,10 @@
                 <a:ea typeface="+mn-ea"/>
                 <a:cs typeface="+mn-cs"/>
               </a:rPr>
-            </a:br>
-            <a:r>
-              <a:rPr kumimoji="0" lang="en-US" altLang="x-none" sz="2799" b="0" i="0" u="none" strike="noStrike" kern="1200" cap="none" spc="0" normalizeH="0" baseline="0" noProof="0">
+              <a:t> con </a:t>
+            </a:r>
+            <a:r>
+              <a:rPr kumimoji="0" lang="en-US" altLang="x-none" sz="3199" b="0" i="1" u="none" strike="noStrike" kern="1200" cap="none" spc="0" normalizeH="0" baseline="0" noProof="0" dirty="0" err="1">
                 <a:ln>
                   <a:noFill/>
                 </a:ln>
@@ -13703,10 +14431,10 @@
                 <a:ea typeface="+mn-ea"/>
                 <a:cs typeface="+mn-cs"/>
               </a:rPr>
-              <a:t>Java → </a:t>
-            </a:r>
-            <a:r>
-              <a:rPr kumimoji="0" lang="en-US" altLang="x-none" sz="2799" b="1" i="0" u="none" strike="noStrike" kern="1200" cap="none" spc="0" normalizeH="0" baseline="0" noProof="0">
+              <a:t>más</a:t>
+            </a:r>
+            <a:r>
+              <a:rPr kumimoji="0" lang="en-US" altLang="x-none" sz="3199" b="0" i="1" u="none" strike="noStrike" kern="1200" cap="none" spc="0" normalizeH="0" baseline="0" noProof="0" dirty="0">
                 <a:ln>
                   <a:noFill/>
                 </a:ln>
@@ -13720,62 +14448,10 @@
                 <a:ea typeface="+mn-ea"/>
                 <a:cs typeface="+mn-cs"/>
               </a:rPr>
-              <a:t>Runnable JAR File</a:t>
-            </a:r>
-          </a:p>
-          <a:p>
-            <a:pPr marL="742873" marR="0" lvl="1" indent="-285720" algn="l" defTabSz="457153" rtl="0" eaLnBrk="1" fontAlgn="auto" latinLnBrk="0" hangingPunct="1">
-              <a:lnSpc>
-                <a:spcPct val="100000"/>
-              </a:lnSpc>
-              <a:spcBef>
-                <a:spcPct val="20000"/>
-              </a:spcBef>
-              <a:spcAft>
-                <a:spcPts val="0"/>
-              </a:spcAft>
-              <a:buClrTx/>
-              <a:buSzTx/>
-              <a:buFont typeface="Arial"/>
-              <a:buChar char="–"/>
-              <a:tabLst/>
-              <a:defRPr/>
-            </a:pPr>
-            <a:endParaRPr kumimoji="0" lang="en-US" altLang="x-none" sz="2799" b="0" i="1" u="none" strike="noStrike" kern="1200" cap="none" spc="0" normalizeH="0" baseline="0" noProof="0">
-              <a:ln>
-                <a:noFill/>
-              </a:ln>
-              <a:solidFill>
-                <a:sysClr val="windowText" lastClr="000000"/>
-              </a:solidFill>
-              <a:effectLst/>
-              <a:uLnTx/>
-              <a:uFillTx/>
-              <a:latin typeface="Calibri"/>
-              <a:ea typeface="+mn-ea"/>
-              <a:cs typeface="+mn-cs"/>
-            </a:endParaRPr>
-          </a:p>
-          <a:p>
-            <a:pPr marL="342865" marR="0" lvl="0" indent="-342865" algn="l" defTabSz="457153" rtl="0" eaLnBrk="1" fontAlgn="auto" latinLnBrk="0" hangingPunct="1">
-              <a:lnSpc>
-                <a:spcPct val="100000"/>
-              </a:lnSpc>
-              <a:spcBef>
-                <a:spcPct val="20000"/>
-              </a:spcBef>
-              <a:spcAft>
-                <a:spcPts val="0"/>
-              </a:spcAft>
-              <a:buClrTx/>
-              <a:buSzTx/>
-              <a:buFont typeface="Arial"/>
-              <a:buChar char="•"/>
-              <a:tabLst/>
-              <a:defRPr/>
-            </a:pPr>
-            <a:r>
-              <a:rPr kumimoji="0" lang="en-US" altLang="x-none" sz="3199" b="0" i="1" u="none" strike="noStrike" kern="1200" cap="none" spc="0" normalizeH="0" baseline="0" noProof="0">
+              <a:t> </a:t>
+            </a:r>
+            <a:r>
+              <a:rPr kumimoji="0" lang="en-US" altLang="x-none" sz="3199" b="0" i="1" u="none" strike="noStrike" kern="1200" cap="none" spc="0" normalizeH="0" baseline="0" noProof="0" dirty="0" err="1">
                 <a:ln>
                   <a:noFill/>
                 </a:ln>
@@ -13789,7 +14465,58 @@
                 <a:ea typeface="+mn-ea"/>
                 <a:cs typeface="+mn-cs"/>
               </a:rPr>
-              <a:t>see handout on course web site</a:t>
+              <a:t>detalle</a:t>
+            </a:r>
+            <a:r>
+              <a:rPr kumimoji="0" lang="en-US" altLang="x-none" sz="3199" b="0" i="1" u="none" strike="noStrike" kern="1200" cap="none" spc="0" normalizeH="0" baseline="0" noProof="0" dirty="0">
+                <a:ln>
+                  <a:noFill/>
+                </a:ln>
+                <a:solidFill>
+                  <a:sysClr val="windowText" lastClr="000000"/>
+                </a:solidFill>
+                <a:effectLst/>
+                <a:uLnTx/>
+                <a:uFillTx/>
+                <a:latin typeface="Calibri"/>
+                <a:ea typeface="+mn-ea"/>
+                <a:cs typeface="+mn-cs"/>
+              </a:rPr>
+              <a:t> </a:t>
+            </a:r>
+            <a:r>
+              <a:rPr kumimoji="0" lang="en-US" altLang="x-none" sz="3199" b="0" i="1" u="none" strike="noStrike" kern="1200" cap="none" spc="0" normalizeH="0" baseline="0" noProof="0" dirty="0" err="1">
+                <a:ln>
+                  <a:noFill/>
+                </a:ln>
+                <a:solidFill>
+                  <a:sysClr val="windowText" lastClr="000000"/>
+                </a:solidFill>
+                <a:effectLst/>
+                <a:uLnTx/>
+                <a:uFillTx/>
+                <a:latin typeface="Calibri"/>
+                <a:ea typeface="+mn-ea"/>
+                <a:cs typeface="+mn-cs"/>
+              </a:rPr>
+              <a:t>en</a:t>
+            </a:r>
+            <a:r>
+              <a:rPr kumimoji="0" lang="en-US" altLang="x-none" sz="3199" b="0" i="1" u="none" strike="noStrike" kern="1200" cap="none" spc="0" normalizeH="0" baseline="0" noProof="0" dirty="0">
+                <a:ln>
+                  <a:noFill/>
+                </a:ln>
+                <a:solidFill>
+                  <a:sysClr val="windowText" lastClr="000000"/>
+                </a:solidFill>
+                <a:effectLst/>
+                <a:uLnTx/>
+                <a:uFillTx/>
+                <a:latin typeface="Calibri"/>
+                <a:ea typeface="+mn-ea"/>
+                <a:cs typeface="+mn-cs"/>
+              </a:rPr>
+              <a:t> el sitio web.</a:t>
             </a:r>
             <a:endParaRPr kumimoji="0" lang="en-US" altLang="x-none" sz="3199" b="0" i="0" u="none" strike="noStrike" kern="1200" cap="none" spc="0" normalizeH="0" baseline="0" noProof="0" dirty="0">
               <a:ln>
@@ -14005,25 +14732,8 @@
                 <a:latin typeface="Century Gothic"/>
                 <a:cs typeface="Century Gothic"/>
               </a:rPr>
-              <a:t> </a:t>
-            </a:r>
-            <a:r>
-              <a:rPr lang="en-US" sz="4000" b="1" dirty="0" err="1">
-                <a:solidFill>
-                  <a:schemeClr val="tx1"/>
-                </a:solidFill>
-                <a:latin typeface="Century Gothic"/>
-                <a:cs typeface="Century Gothic"/>
-              </a:rPr>
-              <a:t>gratises</a:t>
-            </a:r>
-            <a:endParaRPr lang="en-US" sz="4000" b="1" dirty="0">
-              <a:solidFill>
-                <a:schemeClr val="tx1"/>
-              </a:solidFill>
-              <a:latin typeface="Century Gothic"/>
-              <a:cs typeface="Century Gothic"/>
-            </a:endParaRPr>
+              <a:t> gratis</a:t>
+            </a:r>
           </a:p>
         </p:txBody>
       </p:sp>
